--- a/Data_Analytics_2018/PPT/Lesson 14 - Data Analytics - Naive Bayes.pptx
+++ b/Data_Analytics_2018/PPT/Lesson 14 - Data Analytics - Naive Bayes.pptx
@@ -2,7 +2,7 @@
 <file path=ppt/presentation.xml><?xml version="1.0" encoding="utf-8"?>
 <p:presentation xmlns:a="http://schemas.openxmlformats.org/drawingml/2006/main" xmlns:r="http://schemas.openxmlformats.org/officeDocument/2006/relationships" xmlns:p="http://schemas.openxmlformats.org/presentationml/2006/main" showSpecialPlsOnTitleSld="0" saveSubsetFonts="1">
   <p:sldMasterIdLst>
-    <p:sldMasterId id="2147483661" r:id="rId1"/>
+    <p:sldMasterId id="2147483674" r:id="rId1"/>
   </p:sldMasterIdLst>
   <p:notesMasterIdLst>
     <p:notesMasterId r:id="rId55"/>
@@ -255,7 +255,7 @@
           <a:p>
             <a:fld id="{12E2E0BF-1E19-48CE-A5B4-11AA1325EE0B}" type="datetimeFigureOut">
               <a:rPr lang="en-US" smtClean="0"/>
-              <a:t>8/1/2018</a:t>
+              <a:t>8/11/2018</a:t>
             </a:fld>
             <a:endParaRPr lang="en-US" dirty="0"/>
           </a:p>
@@ -420,7 +420,7 @@
           <a:p>
             <a:fld id="{B3E6BC81-1184-4954-A4F1-6E56C89D84BE}" type="datetimeFigureOut">
               <a:rPr lang="en-US" smtClean="0"/>
-              <a:t>8/1/2018</a:t>
+              <a:t>8/11/2018</a:t>
             </a:fld>
             <a:endParaRPr lang="en-US" dirty="0"/>
           </a:p>
@@ -820,7 +820,7 @@
         </p:nvSpPr>
         <p:spPr>
           <a:xfrm>
-            <a:off x="152400" y="6443433"/>
+            <a:off x="152400" y="6485768"/>
             <a:ext cx="2743200" cy="365125"/>
           </a:xfrm>
         </p:spPr>
@@ -830,7 +830,7 @@
           <a:p>
             <a:fld id="{A24D462D-0ABF-4F66-AA29-FCADD808DF8B}" type="datetime1">
               <a:rPr lang="en-US" smtClean="0"/>
-              <a:t>8/1/2018</a:t>
+              <a:t>8/11/2018</a:t>
             </a:fld>
             <a:endParaRPr lang="en-US" dirty="0"/>
           </a:p>
@@ -848,7 +848,7 @@
         </p:nvSpPr>
         <p:spPr>
           <a:xfrm>
-            <a:off x="4038600" y="6443434"/>
+            <a:off x="4038600" y="6485769"/>
             <a:ext cx="4114800" cy="365125"/>
           </a:xfrm>
         </p:spPr>
@@ -876,7 +876,7 @@
         </p:nvSpPr>
         <p:spPr>
           <a:xfrm>
-            <a:off x="9361714" y="6443432"/>
+            <a:off x="9361714" y="6485767"/>
             <a:ext cx="2743200" cy="365125"/>
           </a:xfrm>
         </p:spPr>
@@ -895,7 +895,7 @@
     </p:spTree>
     <p:extLst>
       <p:ext uri="{BB962C8B-B14F-4D97-AF65-F5344CB8AC3E}">
-        <p14:creationId xmlns:p14="http://schemas.microsoft.com/office/powerpoint/2010/main" val="3858669485"/>
+        <p14:creationId xmlns:p14="http://schemas.microsoft.com/office/powerpoint/2010/main" val="2409797018"/>
       </p:ext>
     </p:extLst>
   </p:cSld>
@@ -1100,7 +1100,7 @@
           <a:p>
             <a:fld id="{E07E8265-18F4-4680-A16E-90ED1CF19BF4}" type="datetime1">
               <a:rPr lang="en-US" smtClean="0"/>
-              <a:t>8/1/2018</a:t>
+              <a:t>8/11/2018</a:t>
             </a:fld>
             <a:endParaRPr lang="en-US" dirty="0"/>
           </a:p>
@@ -1155,7 +1155,7 @@
     </p:spTree>
     <p:extLst>
       <p:ext uri="{BB962C8B-B14F-4D97-AF65-F5344CB8AC3E}">
-        <p14:creationId xmlns:p14="http://schemas.microsoft.com/office/powerpoint/2010/main" val="2389588687"/>
+        <p14:creationId xmlns:p14="http://schemas.microsoft.com/office/powerpoint/2010/main" val="4138703816"/>
       </p:ext>
     </p:extLst>
   </p:cSld>
@@ -1277,7 +1277,7 @@
           <a:p>
             <a:fld id="{50A3F95B-AA19-4AF1-8E3F-0C1F80E644D7}" type="datetime1">
               <a:rPr lang="en-US" smtClean="0"/>
-              <a:t>8/1/2018</a:t>
+              <a:t>8/11/2018</a:t>
             </a:fld>
             <a:endParaRPr lang="en-US" dirty="0"/>
           </a:p>
@@ -1332,7 +1332,7 @@
     </p:spTree>
     <p:extLst>
       <p:ext uri="{BB962C8B-B14F-4D97-AF65-F5344CB8AC3E}">
-        <p14:creationId xmlns:p14="http://schemas.microsoft.com/office/powerpoint/2010/main" val="1222354935"/>
+        <p14:creationId xmlns:p14="http://schemas.microsoft.com/office/powerpoint/2010/main" val="575712207"/>
       </p:ext>
     </p:extLst>
   </p:cSld>
@@ -1459,7 +1459,7 @@
           <a:p>
             <a:fld id="{CCDBCEF4-92B1-4F4B-B523-BAFBFD103FD6}" type="datetime1">
               <a:rPr lang="en-US" smtClean="0"/>
-              <a:t>8/1/2018</a:t>
+              <a:t>8/11/2018</a:t>
             </a:fld>
             <a:endParaRPr lang="en-US" dirty="0"/>
           </a:p>
@@ -1514,7 +1514,7 @@
     </p:spTree>
     <p:extLst>
       <p:ext uri="{BB962C8B-B14F-4D97-AF65-F5344CB8AC3E}">
-        <p14:creationId xmlns:p14="http://schemas.microsoft.com/office/powerpoint/2010/main" val="420890999"/>
+        <p14:creationId xmlns:p14="http://schemas.microsoft.com/office/powerpoint/2010/main" val="1780529298"/>
       </p:ext>
     </p:extLst>
   </p:cSld>
@@ -1685,7 +1685,7 @@
             <a:fld id="{13570084-B57A-493D-8A30-572F2D9F55F8}" type="datetime1">
               <a:rPr lang="en-US" smtClean="0"/>
               <a:pPr/>
-              <a:t>8/1/2018</a:t>
+              <a:t>8/11/2018</a:t>
             </a:fld>
             <a:endParaRPr lang="en-US" dirty="0"/>
           </a:p>
@@ -1765,7 +1765,7 @@
     </p:spTree>
     <p:extLst>
       <p:ext uri="{BB962C8B-B14F-4D97-AF65-F5344CB8AC3E}">
-        <p14:creationId xmlns:p14="http://schemas.microsoft.com/office/powerpoint/2010/main" val="3108336910"/>
+        <p14:creationId xmlns:p14="http://schemas.microsoft.com/office/powerpoint/2010/main" val="1684087644"/>
       </p:ext>
     </p:extLst>
   </p:cSld>
@@ -1891,7 +1891,7 @@
             <a:fld id="{13570084-B57A-493D-8A30-572F2D9F55F8}" type="datetime1">
               <a:rPr lang="en-US" smtClean="0"/>
               <a:pPr/>
-              <a:t>8/1/2018</a:t>
+              <a:t>8/11/2018</a:t>
             </a:fld>
             <a:endParaRPr lang="en-US" dirty="0"/>
           </a:p>
@@ -1971,7 +1971,7 @@
     </p:spTree>
     <p:extLst>
       <p:ext uri="{BB962C8B-B14F-4D97-AF65-F5344CB8AC3E}">
-        <p14:creationId xmlns:p14="http://schemas.microsoft.com/office/powerpoint/2010/main" val="2636093744"/>
+        <p14:creationId xmlns:p14="http://schemas.microsoft.com/office/powerpoint/2010/main" val="2964337316"/>
       </p:ext>
     </p:extLst>
   </p:cSld>
@@ -2170,7 +2170,7 @@
           <a:p>
             <a:fld id="{8F7D0969-017A-4CFD-B470-B6959400D96E}" type="datetime1">
               <a:rPr lang="en-US" smtClean="0"/>
-              <a:t>8/1/2018</a:t>
+              <a:t>8/11/2018</a:t>
             </a:fld>
             <a:endParaRPr lang="en-US" dirty="0"/>
           </a:p>
@@ -2225,7 +2225,7 @@
     </p:spTree>
     <p:extLst>
       <p:ext uri="{BB962C8B-B14F-4D97-AF65-F5344CB8AC3E}">
-        <p14:creationId xmlns:p14="http://schemas.microsoft.com/office/powerpoint/2010/main" val="1316711014"/>
+        <p14:creationId xmlns:p14="http://schemas.microsoft.com/office/powerpoint/2010/main" val="1033296872"/>
       </p:ext>
     </p:extLst>
   </p:cSld>
@@ -2271,6 +2271,7 @@
               <a:rPr lang="en-US"/>
               <a:t>Click to edit Master title style</a:t>
             </a:r>
+            <a:endParaRPr lang="en-US" dirty="0"/>
           </a:p>
         </p:txBody>
       </p:sp>
@@ -2286,8 +2287,8 @@
         </p:nvSpPr>
         <p:spPr>
           <a:xfrm>
-            <a:off x="838200" y="1825625"/>
-            <a:ext cx="5181600" cy="4351338"/>
+            <a:off x="406400" y="1354666"/>
+            <a:ext cx="5613400" cy="5046134"/>
           </a:xfrm>
         </p:spPr>
         <p:txBody>
@@ -2394,8 +2395,8 @@
         </p:nvSpPr>
         <p:spPr>
           <a:xfrm>
-            <a:off x="6172200" y="1825625"/>
-            <a:ext cx="5181600" cy="4351338"/>
+            <a:off x="6172199" y="1354666"/>
+            <a:ext cx="5469467" cy="5046134"/>
           </a:xfrm>
         </p:spPr>
         <p:txBody>
@@ -2435,6 +2436,7 @@
               <a:rPr lang="en-US"/>
               <a:t>Fifth level</a:t>
             </a:r>
+            <a:endParaRPr lang="en-US" dirty="0"/>
           </a:p>
         </p:txBody>
       </p:sp>
@@ -2455,7 +2457,7 @@
           <a:p>
             <a:fld id="{E7244459-F2A5-4FF9-8125-3DD79827DEF5}" type="datetime1">
               <a:rPr lang="en-US" smtClean="0"/>
-              <a:t>8/1/2018</a:t>
+              <a:t>8/11/2018</a:t>
             </a:fld>
             <a:endParaRPr lang="en-US" dirty="0"/>
           </a:p>
@@ -2510,7 +2512,7 @@
     </p:spTree>
     <p:extLst>
       <p:ext uri="{BB962C8B-B14F-4D97-AF65-F5344CB8AC3E}">
-        <p14:creationId xmlns:p14="http://schemas.microsoft.com/office/powerpoint/2010/main" val="1991870214"/>
+        <p14:creationId xmlns:p14="http://schemas.microsoft.com/office/powerpoint/2010/main" val="4173623614"/>
       </p:ext>
     </p:extLst>
   </p:cSld>
@@ -2549,8 +2551,8 @@
         </p:nvSpPr>
         <p:spPr>
           <a:xfrm>
-            <a:off x="839788" y="161926"/>
-            <a:ext cx="8536439" cy="1325563"/>
+            <a:off x="381000" y="5555"/>
+            <a:ext cx="10151533" cy="1325563"/>
           </a:xfrm>
         </p:spPr>
         <p:txBody>
@@ -2571,17 +2573,17 @@
             <a:spLocks noGrp="1"/>
           </p:cNvSpPr>
           <p:nvPr>
-            <p:ph type="body" idx="1"/>
+            <p:ph type="body" idx="1" hasCustomPrompt="1"/>
           </p:nvPr>
         </p:nvSpPr>
         <p:spPr>
           <a:xfrm>
-            <a:off x="839788" y="1681163"/>
-            <a:ext cx="5157787" cy="823912"/>
+            <a:off x="381000" y="1444096"/>
+            <a:ext cx="5616575" cy="823912"/>
           </a:xfrm>
         </p:spPr>
         <p:txBody>
-          <a:bodyPr anchor="b"/>
+          <a:bodyPr anchor="ctr"/>
           <a:lstStyle>
             <a:lvl1pPr marL="0" indent="0">
               <a:buNone/>
@@ -2623,86 +2625,86 @@
           <a:p>
             <a:pPr lvl="0"/>
             <a:r>
+              <a:rPr lang="en-US" dirty="0"/>
+              <a:t>Click to edit Master text styles</a:t>
+            </a:r>
+          </a:p>
+        </p:txBody>
+      </p:sp>
+      <p:sp>
+        <p:nvSpPr>
+          <p:cNvPr id="4" name="Content Placeholder 3"/>
+          <p:cNvSpPr>
+            <a:spLocks noGrp="1"/>
+          </p:cNvSpPr>
+          <p:nvPr>
+            <p:ph sz="half" idx="2"/>
+          </p:nvPr>
+        </p:nvSpPr>
+        <p:spPr>
+          <a:xfrm>
+            <a:off x="381000" y="2268007"/>
+            <a:ext cx="5616575" cy="4014259"/>
+          </a:xfrm>
+        </p:spPr>
+        <p:txBody>
+          <a:bodyPr/>
+          <a:lstStyle/>
+          <a:p>
+            <a:pPr lvl="0"/>
+            <a:r>
               <a:rPr lang="en-US"/>
               <a:t>Edit Master text styles</a:t>
             </a:r>
           </a:p>
-        </p:txBody>
-      </p:sp>
-      <p:sp>
-        <p:nvSpPr>
-          <p:cNvPr id="4" name="Content Placeholder 3"/>
-          <p:cNvSpPr>
-            <a:spLocks noGrp="1"/>
-          </p:cNvSpPr>
-          <p:nvPr>
-            <p:ph sz="half" idx="2"/>
+          <a:p>
+            <a:pPr lvl="1"/>
+            <a:r>
+              <a:rPr lang="en-US"/>
+              <a:t>Second level</a:t>
+            </a:r>
+          </a:p>
+          <a:p>
+            <a:pPr lvl="2"/>
+            <a:r>
+              <a:rPr lang="en-US"/>
+              <a:t>Third level</a:t>
+            </a:r>
+          </a:p>
+          <a:p>
+            <a:pPr lvl="3"/>
+            <a:r>
+              <a:rPr lang="en-US"/>
+              <a:t>Fourth level</a:t>
+            </a:r>
+          </a:p>
+          <a:p>
+            <a:pPr lvl="4"/>
+            <a:r>
+              <a:rPr lang="en-US"/>
+              <a:t>Fifth level</a:t>
+            </a:r>
+          </a:p>
+        </p:txBody>
+      </p:sp>
+      <p:sp>
+        <p:nvSpPr>
+          <p:cNvPr id="5" name="Text Placeholder 4"/>
+          <p:cNvSpPr>
+            <a:spLocks noGrp="1"/>
+          </p:cNvSpPr>
+          <p:nvPr>
+            <p:ph type="body" sz="quarter" idx="3" hasCustomPrompt="1"/>
           </p:nvPr>
         </p:nvSpPr>
         <p:spPr>
           <a:xfrm>
-            <a:off x="839788" y="2505075"/>
-            <a:ext cx="5157787" cy="3684588"/>
+            <a:off x="6172200" y="1444096"/>
+            <a:ext cx="5638800" cy="823912"/>
           </a:xfrm>
         </p:spPr>
         <p:txBody>
-          <a:bodyPr/>
-          <a:lstStyle/>
-          <a:p>
-            <a:pPr lvl="0"/>
-            <a:r>
-              <a:rPr lang="en-US"/>
-              <a:t>Edit Master text styles</a:t>
-            </a:r>
-          </a:p>
-          <a:p>
-            <a:pPr lvl="1"/>
-            <a:r>
-              <a:rPr lang="en-US"/>
-              <a:t>Second level</a:t>
-            </a:r>
-          </a:p>
-          <a:p>
-            <a:pPr lvl="2"/>
-            <a:r>
-              <a:rPr lang="en-US"/>
-              <a:t>Third level</a:t>
-            </a:r>
-          </a:p>
-          <a:p>
-            <a:pPr lvl="3"/>
-            <a:r>
-              <a:rPr lang="en-US"/>
-              <a:t>Fourth level</a:t>
-            </a:r>
-          </a:p>
-          <a:p>
-            <a:pPr lvl="4"/>
-            <a:r>
-              <a:rPr lang="en-US"/>
-              <a:t>Fifth level</a:t>
-            </a:r>
-          </a:p>
-        </p:txBody>
-      </p:sp>
-      <p:sp>
-        <p:nvSpPr>
-          <p:cNvPr id="5" name="Text Placeholder 4"/>
-          <p:cNvSpPr>
-            <a:spLocks noGrp="1"/>
-          </p:cNvSpPr>
-          <p:nvPr>
-            <p:ph type="body" sz="quarter" idx="3"/>
-          </p:nvPr>
-        </p:nvSpPr>
-        <p:spPr>
-          <a:xfrm>
-            <a:off x="6172200" y="1681163"/>
-            <a:ext cx="5183188" cy="823912"/>
-          </a:xfrm>
-        </p:spPr>
-        <p:txBody>
-          <a:bodyPr anchor="b"/>
+          <a:bodyPr anchor="ctr"/>
           <a:lstStyle>
             <a:lvl1pPr marL="0" indent="0">
               <a:buNone/>
@@ -2744,38 +2746,38 @@
           <a:p>
             <a:pPr lvl="0"/>
             <a:r>
+              <a:rPr lang="en-US" dirty="0"/>
+              <a:t>Click to edit Master text styles</a:t>
+            </a:r>
+          </a:p>
+        </p:txBody>
+      </p:sp>
+      <p:sp>
+        <p:nvSpPr>
+          <p:cNvPr id="6" name="Content Placeholder 5"/>
+          <p:cNvSpPr>
+            <a:spLocks noGrp="1"/>
+          </p:cNvSpPr>
+          <p:nvPr>
+            <p:ph sz="quarter" idx="4"/>
+          </p:nvPr>
+        </p:nvSpPr>
+        <p:spPr>
+          <a:xfrm>
+            <a:off x="6172199" y="2268007"/>
+            <a:ext cx="5616575" cy="4014259"/>
+          </a:xfrm>
+        </p:spPr>
+        <p:txBody>
+          <a:bodyPr/>
+          <a:lstStyle/>
+          <a:p>
+            <a:pPr lvl="0"/>
+            <a:r>
               <a:rPr lang="en-US"/>
               <a:t>Edit Master text styles</a:t>
             </a:r>
           </a:p>
-        </p:txBody>
-      </p:sp>
-      <p:sp>
-        <p:nvSpPr>
-          <p:cNvPr id="6" name="Content Placeholder 5"/>
-          <p:cNvSpPr>
-            <a:spLocks noGrp="1"/>
-          </p:cNvSpPr>
-          <p:nvPr>
-            <p:ph sz="quarter" idx="4"/>
-          </p:nvPr>
-        </p:nvSpPr>
-        <p:spPr>
-          <a:xfrm>
-            <a:off x="6172200" y="2505075"/>
-            <a:ext cx="5183188" cy="3684588"/>
-          </a:xfrm>
-        </p:spPr>
-        <p:txBody>
-          <a:bodyPr/>
-          <a:lstStyle/>
-          <a:p>
-            <a:pPr lvl="0"/>
-            <a:r>
-              <a:rPr lang="en-US"/>
-              <a:t>Edit Master text styles</a:t>
-            </a:r>
-          </a:p>
           <a:p>
             <a:pPr lvl="1"/>
             <a:r>
@@ -2823,7 +2825,7 @@
           <a:p>
             <a:fld id="{B3A53202-F90A-473F-9577-0694CB3DE811}" type="datetime1">
               <a:rPr lang="en-US" smtClean="0"/>
-              <a:t>8/1/2018</a:t>
+              <a:t>8/11/2018</a:t>
             </a:fld>
             <a:endParaRPr lang="en-US" dirty="0"/>
           </a:p>
@@ -2878,7 +2880,7 @@
     </p:spTree>
     <p:extLst>
       <p:ext uri="{BB962C8B-B14F-4D97-AF65-F5344CB8AC3E}">
-        <p14:creationId xmlns:p14="http://schemas.microsoft.com/office/powerpoint/2010/main" val="3500734860"/>
+        <p14:creationId xmlns:p14="http://schemas.microsoft.com/office/powerpoint/2010/main" val="2860440555"/>
       </p:ext>
     </p:extLst>
   </p:cSld>
@@ -2958,7 +2960,7 @@
             <a:fld id="{64FA1387-E9BD-4269-B052-15A23CD1D16B}" type="datetime1">
               <a:rPr lang="en-US" smtClean="0"/>
               <a:pPr/>
-              <a:t>8/1/2018</a:t>
+              <a:t>8/11/2018</a:t>
             </a:fld>
             <a:endParaRPr lang="en-US" dirty="0"/>
           </a:p>
@@ -3038,7 +3040,7 @@
     </p:spTree>
     <p:extLst>
       <p:ext uri="{BB962C8B-B14F-4D97-AF65-F5344CB8AC3E}">
-        <p14:creationId xmlns:p14="http://schemas.microsoft.com/office/powerpoint/2010/main" val="2650920478"/>
+        <p14:creationId xmlns:p14="http://schemas.microsoft.com/office/powerpoint/2010/main" val="2134350664"/>
       </p:ext>
     </p:extLst>
   </p:cSld>
@@ -3082,7 +3084,7 @@
           <a:p>
             <a:fld id="{A197E209-8033-4044-BA05-35D0B8A61D52}" type="datetime1">
               <a:rPr lang="en-US" smtClean="0"/>
-              <a:t>8/1/2018</a:t>
+              <a:t>8/11/2018</a:t>
             </a:fld>
             <a:endParaRPr lang="en-US" dirty="0"/>
           </a:p>
@@ -3137,7 +3139,7 @@
     </p:spTree>
     <p:extLst>
       <p:ext uri="{BB962C8B-B14F-4D97-AF65-F5344CB8AC3E}">
-        <p14:creationId xmlns:p14="http://schemas.microsoft.com/office/powerpoint/2010/main" val="1621640434"/>
+        <p14:creationId xmlns:p14="http://schemas.microsoft.com/office/powerpoint/2010/main" val="671411859"/>
       </p:ext>
     </p:extLst>
   </p:cSld>
@@ -3361,7 +3363,7 @@
           <a:p>
             <a:fld id="{488CFC0E-11F7-458D-9C54-1B7C7C814EDD}" type="datetime1">
               <a:rPr lang="en-US" smtClean="0"/>
-              <a:t>8/1/2018</a:t>
+              <a:t>8/11/2018</a:t>
             </a:fld>
             <a:endParaRPr lang="en-US" dirty="0"/>
           </a:p>
@@ -3416,7 +3418,7 @@
     </p:spTree>
     <p:extLst>
       <p:ext uri="{BB962C8B-B14F-4D97-AF65-F5344CB8AC3E}">
-        <p14:creationId xmlns:p14="http://schemas.microsoft.com/office/powerpoint/2010/main" val="1131468770"/>
+        <p14:creationId xmlns:p14="http://schemas.microsoft.com/office/powerpoint/2010/main" val="2553568516"/>
       </p:ext>
     </p:extLst>
   </p:cSld>
@@ -3593,8 +3595,8 @@
         </p:nvSpPr>
         <p:spPr>
           <a:xfrm>
-            <a:off x="406400" y="91440"/>
-            <a:ext cx="11393714" cy="1234123"/>
+            <a:off x="406400" y="6770"/>
+            <a:ext cx="10049933" cy="1234123"/>
           </a:xfrm>
           <a:prstGeom prst="rect">
             <a:avLst/>
@@ -3625,8 +3627,8 @@
         </p:nvSpPr>
         <p:spPr>
           <a:xfrm>
-            <a:off x="406400" y="1489166"/>
-            <a:ext cx="11393714" cy="4687797"/>
+            <a:off x="406400" y="1337187"/>
+            <a:ext cx="11393714" cy="5064803"/>
           </a:xfrm>
           <a:prstGeom prst="rect">
             <a:avLst/>
@@ -3708,7 +3710,7 @@
           <a:p>
             <a:fld id="{DA3380A9-99D8-412F-8F98-2C2792A83619}" type="datetime1">
               <a:rPr lang="en-US" smtClean="0"/>
-              <a:t>8/1/2018</a:t>
+              <a:t>8/11/2018</a:t>
             </a:fld>
             <a:endParaRPr lang="en-US" dirty="0"/>
           </a:p>
@@ -3834,27 +3836,70 @@
           </a:fontRef>
         </p:style>
       </p:cxnSp>
+      <p:pic>
+        <p:nvPicPr>
+          <p:cNvPr id="10" name="Picture 9" descr="A close up of a sign&#10;&#10;Description generated with very high confidence">
+            <a:extLst>
+              <a:ext uri="{FF2B5EF4-FFF2-40B4-BE49-F238E27FC236}">
+                <a16:creationId xmlns:a16="http://schemas.microsoft.com/office/drawing/2014/main" id="{6D9D6532-6138-406D-8115-7BAFD8D73FEB}"/>
+              </a:ext>
+            </a:extLst>
+          </p:cNvPr>
+          <p:cNvPicPr>
+            <a:picLocks noChangeAspect="1"/>
+          </p:cNvPicPr>
+          <p:nvPr/>
+        </p:nvPicPr>
+        <p:blipFill>
+          <a:blip r:embed="rId16">
+            <a:duotone>
+              <a:schemeClr val="bg2">
+                <a:shade val="45000"/>
+                <a:satMod val="135000"/>
+              </a:schemeClr>
+              <a:prstClr val="white"/>
+            </a:duotone>
+            <a:extLst>
+              <a:ext uri="{28A0092B-C50C-407E-A947-70E740481C1C}">
+                <a14:useLocalDpi xmlns:a14="http://schemas.microsoft.com/office/drawing/2010/main" val="0"/>
+              </a:ext>
+            </a:extLst>
+          </a:blip>
+          <a:stretch>
+            <a:fillRect/>
+          </a:stretch>
+        </p:blipFill>
+        <p:spPr>
+          <a:xfrm>
+            <a:off x="10634133" y="96294"/>
+            <a:ext cx="1165981" cy="1229580"/>
+          </a:xfrm>
+          <a:prstGeom prst="rect">
+            <a:avLst/>
+          </a:prstGeom>
+        </p:spPr>
+      </p:pic>
     </p:spTree>
     <p:extLst>
       <p:ext uri="{BB962C8B-B14F-4D97-AF65-F5344CB8AC3E}">
-        <p14:creationId xmlns:p14="http://schemas.microsoft.com/office/powerpoint/2010/main" val="383296000"/>
+        <p14:creationId xmlns:p14="http://schemas.microsoft.com/office/powerpoint/2010/main" val="3260685353"/>
       </p:ext>
     </p:extLst>
   </p:cSld>
   <p:clrMap bg1="lt1" tx1="dk1" bg2="lt2" tx2="dk2" accent1="accent1" accent2="accent2" accent3="accent3" accent4="accent4" accent5="accent5" accent6="accent6" hlink="hlink" folHlink="folHlink"/>
   <p:sldLayoutIdLst>
-    <p:sldLayoutId id="2147483662" r:id="rId1"/>
-    <p:sldLayoutId id="2147483663" r:id="rId2"/>
-    <p:sldLayoutId id="2147483664" r:id="rId3"/>
-    <p:sldLayoutId id="2147483665" r:id="rId4"/>
-    <p:sldLayoutId id="2147483666" r:id="rId5"/>
-    <p:sldLayoutId id="2147483667" r:id="rId6"/>
-    <p:sldLayoutId id="2147483668" r:id="rId7"/>
-    <p:sldLayoutId id="2147483669" r:id="rId8"/>
-    <p:sldLayoutId id="2147483670" r:id="rId9"/>
-    <p:sldLayoutId id="2147483671" r:id="rId10"/>
-    <p:sldLayoutId id="2147483672" r:id="rId11"/>
-    <p:sldLayoutId id="2147483673" r:id="rId12"/>
+    <p:sldLayoutId id="2147483675" r:id="rId1"/>
+    <p:sldLayoutId id="2147483676" r:id="rId2"/>
+    <p:sldLayoutId id="2147483677" r:id="rId3"/>
+    <p:sldLayoutId id="2147483678" r:id="rId4"/>
+    <p:sldLayoutId id="2147483679" r:id="rId5"/>
+    <p:sldLayoutId id="2147483680" r:id="rId6"/>
+    <p:sldLayoutId id="2147483681" r:id="rId7"/>
+    <p:sldLayoutId id="2147483682" r:id="rId8"/>
+    <p:sldLayoutId id="2147483683" r:id="rId9"/>
+    <p:sldLayoutId id="2147483684" r:id="rId10"/>
+    <p:sldLayoutId id="2147483685" r:id="rId11"/>
+    <p:sldLayoutId id="2147483686" r:id="rId12"/>
   </p:sldLayoutIdLst>
   <p:hf hdr="0"/>
   <p:txStyles>
@@ -4307,7 +4352,7 @@
           <a:p>
             <a:fld id="{E7244459-F2A5-4FF9-8125-3DD79827DEF5}" type="datetime1">
               <a:rPr lang="en-US" smtClean="0"/>
-              <a:t>8/1/2018</a:t>
+              <a:t>8/11/2018</a:t>
             </a:fld>
             <a:endParaRPr lang="en-US" dirty="0"/>
           </a:p>
@@ -6530,7 +6575,7 @@
           <a:p>
             <a:fld id="{E7244459-F2A5-4FF9-8125-3DD79827DEF5}" type="datetime1">
               <a:rPr lang="en-US" smtClean="0"/>
-              <a:t>8/1/2018</a:t>
+              <a:t>8/11/2018</a:t>
             </a:fld>
             <a:endParaRPr lang="en-US" dirty="0"/>
           </a:p>
@@ -7959,7 +8004,7 @@
           <a:p>
             <a:fld id="{E7244459-F2A5-4FF9-8125-3DD79827DEF5}" type="datetime1">
               <a:rPr lang="en-US" smtClean="0"/>
-              <a:t>8/1/2018</a:t>
+              <a:t>8/11/2018</a:t>
             </a:fld>
             <a:endParaRPr lang="en-US" dirty="0"/>
           </a:p>
@@ -8619,7 +8664,7 @@
           <a:p>
             <a:fld id="{13570084-B57A-493D-8A30-572F2D9F55F8}" type="datetime1">
               <a:rPr lang="en-US" smtClean="0"/>
-              <a:t>8/1/2018</a:t>
+              <a:t>8/11/2018</a:t>
             </a:fld>
             <a:endParaRPr lang="en-US" dirty="0"/>
           </a:p>
@@ -9515,7 +9560,7 @@
           <a:p>
             <a:fld id="{E7244459-F2A5-4FF9-8125-3DD79827DEF5}" type="datetime1">
               <a:rPr lang="en-US" smtClean="0"/>
-              <a:t>8/1/2018</a:t>
+              <a:t>8/11/2018</a:t>
             </a:fld>
             <a:endParaRPr lang="en-US" dirty="0"/>
           </a:p>
@@ -9871,7 +9916,7 @@
           <a:p>
             <a:fld id="{E7244459-F2A5-4FF9-8125-3DD79827DEF5}" type="datetime1">
               <a:rPr lang="en-US" smtClean="0"/>
-              <a:t>8/1/2018</a:t>
+              <a:t>8/11/2018</a:t>
             </a:fld>
             <a:endParaRPr lang="en-US" dirty="0"/>
           </a:p>
@@ -10065,7 +10110,7 @@
           <a:p>
             <a:fld id="{E7244459-F2A5-4FF9-8125-3DD79827DEF5}" type="datetime1">
               <a:rPr lang="en-US" smtClean="0"/>
-              <a:t>8/1/2018</a:t>
+              <a:t>8/11/2018</a:t>
             </a:fld>
             <a:endParaRPr lang="en-US" dirty="0"/>
           </a:p>
@@ -11295,7 +11340,7 @@
           <a:p>
             <a:fld id="{E7244459-F2A5-4FF9-8125-3DD79827DEF5}" type="datetime1">
               <a:rPr lang="en-US" smtClean="0"/>
-              <a:t>8/1/2018</a:t>
+              <a:t>8/11/2018</a:t>
             </a:fld>
             <a:endParaRPr lang="en-US" dirty="0"/>
           </a:p>
@@ -12892,7 +12937,7 @@
           <a:p>
             <a:fld id="{E7244459-F2A5-4FF9-8125-3DD79827DEF5}" type="datetime1">
               <a:rPr lang="en-US" smtClean="0"/>
-              <a:t>8/1/2018</a:t>
+              <a:t>8/11/2018</a:t>
             </a:fld>
             <a:endParaRPr lang="en-US" dirty="0"/>
           </a:p>
@@ -13229,7 +13274,7 @@
           <a:p>
             <a:fld id="{E7244459-F2A5-4FF9-8125-3DD79827DEF5}" type="datetime1">
               <a:rPr lang="en-US" smtClean="0"/>
-              <a:t>8/1/2018</a:t>
+              <a:t>8/11/2018</a:t>
             </a:fld>
             <a:endParaRPr lang="en-US" dirty="0"/>
           </a:p>
@@ -13496,7 +13541,7 @@
         <p:spPr/>
         <p:txBody>
           <a:bodyPr>
-            <a:normAutofit fontScale="85000" lnSpcReduction="20000"/>
+            <a:normAutofit fontScale="92500" lnSpcReduction="10000"/>
           </a:bodyPr>
           <a:lstStyle/>
           <a:p>
@@ -13529,7 +13574,7 @@
         <p:spPr/>
         <p:txBody>
           <a:bodyPr>
-            <a:normAutofit fontScale="85000" lnSpcReduction="20000"/>
+            <a:normAutofit fontScale="92500" lnSpcReduction="10000"/>
           </a:bodyPr>
           <a:lstStyle/>
           <a:p>
@@ -13588,7 +13633,7 @@
           <a:p>
             <a:fld id="{E7244459-F2A5-4FF9-8125-3DD79827DEF5}" type="datetime1">
               <a:rPr lang="en-US" smtClean="0"/>
-              <a:t>8/1/2018</a:t>
+              <a:t>8/11/2018</a:t>
             </a:fld>
             <a:endParaRPr lang="en-US" dirty="0"/>
           </a:p>
@@ -13831,7 +13876,7 @@
           <a:p>
             <a:fld id="{E7244459-F2A5-4FF9-8125-3DD79827DEF5}" type="datetime1">
               <a:rPr lang="en-US" smtClean="0"/>
-              <a:t>8/1/2018</a:t>
+              <a:t>8/11/2018</a:t>
             </a:fld>
             <a:endParaRPr lang="en-US" dirty="0"/>
           </a:p>
@@ -14223,7 +14268,7 @@
           <a:p>
             <a:fld id="{E7244459-F2A5-4FF9-8125-3DD79827DEF5}" type="datetime1">
               <a:rPr lang="en-US" smtClean="0"/>
-              <a:t>8/1/2018</a:t>
+              <a:t>8/11/2018</a:t>
             </a:fld>
             <a:endParaRPr lang="en-US" dirty="0"/>
           </a:p>
@@ -14429,7 +14474,7 @@
           <a:p>
             <a:fld id="{E7244459-F2A5-4FF9-8125-3DD79827DEF5}" type="datetime1">
               <a:rPr lang="en-US" smtClean="0"/>
-              <a:t>8/1/2018</a:t>
+              <a:t>8/11/2018</a:t>
             </a:fld>
             <a:endParaRPr lang="en-US" dirty="0"/>
           </a:p>
@@ -14681,7 +14726,7 @@
           <a:p>
             <a:fld id="{E7244459-F2A5-4FF9-8125-3DD79827DEF5}" type="datetime1">
               <a:rPr lang="en-US" smtClean="0"/>
-              <a:t>8/1/2018</a:t>
+              <a:t>8/11/2018</a:t>
             </a:fld>
             <a:endParaRPr lang="en-US" dirty="0"/>
           </a:p>
@@ -15048,8 +15093,8 @@
         </p:blipFill>
         <p:spPr>
           <a:xfrm>
-            <a:off x="6176766" y="1825625"/>
-            <a:ext cx="5172467" cy="4351338"/>
+            <a:off x="6172200" y="1577097"/>
+            <a:ext cx="5468938" cy="4600743"/>
           </a:xfrm>
           <a:prstGeom prst="rect">
             <a:avLst/>
@@ -15079,7 +15124,7 @@
           <a:p>
             <a:fld id="{E7244459-F2A5-4FF9-8125-3DD79827DEF5}" type="datetime1">
               <a:rPr lang="en-US" smtClean="0"/>
-              <a:t>8/1/2018</a:t>
+              <a:t>8/11/2018</a:t>
             </a:fld>
             <a:endParaRPr lang="en-US" dirty="0"/>
           </a:p>
@@ -15293,7 +15338,7 @@
             <a:fld id="{13570084-B57A-493D-8A30-572F2D9F55F8}" type="datetime1">
               <a:rPr lang="en-US" smtClean="0"/>
               <a:pPr/>
-              <a:t>8/1/2018</a:t>
+              <a:t>8/11/2018</a:t>
             </a:fld>
             <a:endParaRPr lang="en-US" dirty="0"/>
           </a:p>
@@ -15567,7 +15612,7 @@
             <a:fld id="{13570084-B57A-493D-8A30-572F2D9F55F8}" type="datetime1">
               <a:rPr lang="en-US" smtClean="0"/>
               <a:pPr/>
-              <a:t>8/1/2018</a:t>
+              <a:t>8/11/2018</a:t>
             </a:fld>
             <a:endParaRPr lang="en-US" dirty="0"/>
           </a:p>
@@ -16051,7 +16096,7 @@
             <a:fld id="{13570084-B57A-493D-8A30-572F2D9F55F8}" type="datetime1">
               <a:rPr lang="en-US" smtClean="0"/>
               <a:pPr/>
-              <a:t>8/1/2018</a:t>
+              <a:t>8/11/2018</a:t>
             </a:fld>
             <a:endParaRPr lang="en-US" dirty="0"/>
           </a:p>
@@ -16234,7 +16279,7 @@
           <a:p>
             <a:fld id="{E7244459-F2A5-4FF9-8125-3DD79827DEF5}" type="datetime1">
               <a:rPr lang="en-US" smtClean="0"/>
-              <a:t>8/1/2018</a:t>
+              <a:t>8/11/2018</a:t>
             </a:fld>
             <a:endParaRPr lang="en-US" dirty="0"/>
           </a:p>
@@ -16543,7 +16588,7 @@
           <a:p>
             <a:fld id="{E7244459-F2A5-4FF9-8125-3DD79827DEF5}" type="datetime1">
               <a:rPr lang="en-US" smtClean="0"/>
-              <a:t>8/1/2018</a:t>
+              <a:t>8/11/2018</a:t>
             </a:fld>
             <a:endParaRPr lang="en-US" dirty="0"/>
           </a:p>
@@ -17893,7 +17938,7 @@
             <a:fld id="{13570084-B57A-493D-8A30-572F2D9F55F8}" type="datetime1">
               <a:rPr lang="en-US" smtClean="0"/>
               <a:pPr/>
-              <a:t>8/1/2018</a:t>
+              <a:t>8/11/2018</a:t>
             </a:fld>
             <a:endParaRPr lang="en-US" dirty="0"/>
           </a:p>
@@ -18225,7 +18270,7 @@
           <a:p>
             <a:fld id="{E7244459-F2A5-4FF9-8125-3DD79827DEF5}" type="datetime1">
               <a:rPr lang="en-US" smtClean="0"/>
-              <a:t>8/1/2018</a:t>
+              <a:t>8/11/2018</a:t>
             </a:fld>
             <a:endParaRPr lang="en-US" dirty="0"/>
           </a:p>
@@ -18543,7 +18588,7 @@
           <a:p>
             <a:fld id="{E7244459-F2A5-4FF9-8125-3DD79827DEF5}" type="datetime1">
               <a:rPr lang="en-US" smtClean="0"/>
-              <a:t>8/1/2018</a:t>
+              <a:t>8/11/2018</a:t>
             </a:fld>
             <a:endParaRPr lang="en-US" dirty="0"/>
           </a:p>
@@ -18813,7 +18858,7 @@
             <a:fld id="{13570084-B57A-493D-8A30-572F2D9F55F8}" type="datetime1">
               <a:rPr lang="en-US" smtClean="0"/>
               <a:pPr/>
-              <a:t>8/1/2018</a:t>
+              <a:t>8/11/2018</a:t>
             </a:fld>
             <a:endParaRPr lang="en-US" dirty="0"/>
           </a:p>
@@ -19118,7 +19163,7 @@
           <a:p>
             <a:fld id="{E7244459-F2A5-4FF9-8125-3DD79827DEF5}" type="datetime1">
               <a:rPr lang="en-US" smtClean="0"/>
-              <a:t>8/1/2018</a:t>
+              <a:t>8/11/2018</a:t>
             </a:fld>
             <a:endParaRPr lang="en-US" dirty="0"/>
           </a:p>
@@ -19264,7 +19309,7 @@
         </p:spPr>
         <p:txBody>
           <a:bodyPr>
-            <a:normAutofit fontScale="92500"/>
+            <a:normAutofit/>
           </a:bodyPr>
           <a:lstStyle/>
           <a:p>
@@ -19422,7 +19467,7 @@
         <p:spPr/>
         <p:txBody>
           <a:bodyPr>
-            <a:normAutofit fontScale="92500"/>
+            <a:normAutofit/>
           </a:bodyPr>
           <a:lstStyle/>
           <a:p>
@@ -19513,7 +19558,7 @@
           <a:p>
             <a:fld id="{E7244459-F2A5-4FF9-8125-3DD79827DEF5}" type="datetime1">
               <a:rPr lang="en-US" smtClean="0"/>
-              <a:t>8/1/2018</a:t>
+              <a:t>8/11/2018</a:t>
             </a:fld>
             <a:endParaRPr lang="en-US" dirty="0"/>
           </a:p>
@@ -19812,7 +19857,9 @@
         </p:nvSpPr>
         <p:spPr/>
         <p:txBody>
-          <a:bodyPr/>
+          <a:bodyPr>
+            <a:normAutofit fontScale="90000"/>
+          </a:bodyPr>
           <a:lstStyle/>
           <a:p>
             <a:r>
@@ -19841,7 +19888,7 @@
         <p:spPr/>
         <p:txBody>
           <a:bodyPr>
-            <a:normAutofit fontScale="47500" lnSpcReduction="20000"/>
+            <a:normAutofit fontScale="55000" lnSpcReduction="20000"/>
           </a:bodyPr>
           <a:lstStyle/>
           <a:p>
@@ -20134,7 +20181,7 @@
           <a:p>
             <a:fld id="{E7244459-F2A5-4FF9-8125-3DD79827DEF5}" type="datetime1">
               <a:rPr lang="en-US" smtClean="0"/>
-              <a:t>8/1/2018</a:t>
+              <a:t>8/11/2018</a:t>
             </a:fld>
             <a:endParaRPr lang="en-US" dirty="0"/>
           </a:p>
@@ -20507,7 +20554,7 @@
           <a:p>
             <a:fld id="{E7244459-F2A5-4FF9-8125-3DD79827DEF5}" type="datetime1">
               <a:rPr lang="en-US" smtClean="0"/>
-              <a:t>8/1/2018</a:t>
+              <a:t>8/11/2018</a:t>
             </a:fld>
             <a:endParaRPr lang="en-US" dirty="0"/>
           </a:p>
@@ -20865,7 +20912,7 @@
           <a:p>
             <a:fld id="{E7244459-F2A5-4FF9-8125-3DD79827DEF5}" type="datetime1">
               <a:rPr lang="en-US" smtClean="0"/>
-              <a:t>8/1/2018</a:t>
+              <a:t>8/11/2018</a:t>
             </a:fld>
             <a:endParaRPr lang="en-US" dirty="0"/>
           </a:p>
@@ -21250,7 +21297,7 @@
           <a:p>
             <a:fld id="{E7244459-F2A5-4FF9-8125-3DD79827DEF5}" type="datetime1">
               <a:rPr lang="en-US" smtClean="0"/>
-              <a:t>8/1/2018</a:t>
+              <a:t>8/11/2018</a:t>
             </a:fld>
             <a:endParaRPr lang="en-US" dirty="0"/>
           </a:p>
@@ -21869,7 +21916,7 @@
           <a:p>
             <a:fld id="{E7244459-F2A5-4FF9-8125-3DD79827DEF5}" type="datetime1">
               <a:rPr lang="en-US" smtClean="0"/>
-              <a:t>8/1/2018</a:t>
+              <a:t>8/11/2018</a:t>
             </a:fld>
             <a:endParaRPr lang="en-US" dirty="0"/>
           </a:p>
@@ -22860,7 +22907,7 @@
           <a:p>
             <a:fld id="{E7244459-F2A5-4FF9-8125-3DD79827DEF5}" type="datetime1">
               <a:rPr lang="en-US" smtClean="0"/>
-              <a:t>8/1/2018</a:t>
+              <a:t>8/11/2018</a:t>
             </a:fld>
             <a:endParaRPr lang="en-US" dirty="0"/>
           </a:p>
@@ -23421,7 +23468,7 @@
           <a:p>
             <a:fld id="{E7244459-F2A5-4FF9-8125-3DD79827DEF5}" type="datetime1">
               <a:rPr lang="en-US" smtClean="0"/>
-              <a:t>8/1/2018</a:t>
+              <a:t>8/11/2018</a:t>
             </a:fld>
             <a:endParaRPr lang="en-US" dirty="0"/>
           </a:p>
@@ -23697,7 +23744,7 @@
           <a:p>
             <a:fld id="{E7244459-F2A5-4FF9-8125-3DD79827DEF5}" type="datetime1">
               <a:rPr lang="en-US" smtClean="0"/>
-              <a:t>8/1/2018</a:t>
+              <a:t>8/11/2018</a:t>
             </a:fld>
             <a:endParaRPr lang="en-US" dirty="0"/>
           </a:p>
@@ -24273,7 +24320,7 @@
             <a:fld id="{13570084-B57A-493D-8A30-572F2D9F55F8}" type="datetime1">
               <a:rPr lang="en-US" smtClean="0"/>
               <a:pPr/>
-              <a:t>8/1/2018</a:t>
+              <a:t>8/11/2018</a:t>
             </a:fld>
             <a:endParaRPr lang="en-US" dirty="0"/>
           </a:p>
@@ -24680,8 +24727,8 @@
         </p:blipFill>
         <p:spPr>
           <a:xfrm>
-            <a:off x="6176766" y="1825625"/>
-            <a:ext cx="5172467" cy="4351338"/>
+            <a:off x="6172200" y="1577097"/>
+            <a:ext cx="5468938" cy="4600743"/>
           </a:xfrm>
           <a:prstGeom prst="rect">
             <a:avLst/>
@@ -24711,7 +24758,7 @@
           <a:p>
             <a:fld id="{E7244459-F2A5-4FF9-8125-3DD79827DEF5}" type="datetime1">
               <a:rPr lang="en-US" smtClean="0"/>
-              <a:t>8/1/2018</a:t>
+              <a:t>8/11/2018</a:t>
             </a:fld>
             <a:endParaRPr lang="en-US" dirty="0"/>
           </a:p>
@@ -24854,8 +24901,8 @@
         </p:blipFill>
         <p:spPr>
           <a:xfrm>
-            <a:off x="842766" y="1825625"/>
-            <a:ext cx="5172467" cy="4351338"/>
+            <a:off x="406400" y="1516333"/>
+            <a:ext cx="5613400" cy="4722272"/>
           </a:xfrm>
           <a:prstGeom prst="rect">
             <a:avLst/>
@@ -24886,8 +24933,8 @@
         </p:blipFill>
         <p:spPr>
           <a:xfrm>
-            <a:off x="6176766" y="1825625"/>
-            <a:ext cx="5172467" cy="4351338"/>
+            <a:off x="6172200" y="1577097"/>
+            <a:ext cx="5468938" cy="4600743"/>
           </a:xfrm>
           <a:prstGeom prst="rect">
             <a:avLst/>
@@ -24917,7 +24964,7 @@
           <a:p>
             <a:fld id="{E7244459-F2A5-4FF9-8125-3DD79827DEF5}" type="datetime1">
               <a:rPr lang="en-US" smtClean="0"/>
-              <a:t>8/1/2018</a:t>
+              <a:t>8/11/2018</a:t>
             </a:fld>
             <a:endParaRPr lang="en-US" dirty="0"/>
           </a:p>
@@ -25100,7 +25147,7 @@
           <a:p>
             <a:fld id="{E7244459-F2A5-4FF9-8125-3DD79827DEF5}" type="datetime1">
               <a:rPr lang="en-US" smtClean="0"/>
-              <a:t>8/1/2018</a:t>
+              <a:t>8/11/2018</a:t>
             </a:fld>
             <a:endParaRPr lang="en-US" dirty="0"/>
           </a:p>
@@ -25537,8 +25584,8 @@
         </p:blipFill>
         <p:spPr>
           <a:xfrm>
-            <a:off x="6176766" y="1825625"/>
-            <a:ext cx="5172467" cy="4351338"/>
+            <a:off x="6172200" y="1577097"/>
+            <a:ext cx="5468938" cy="4600743"/>
           </a:xfrm>
           <a:prstGeom prst="rect">
             <a:avLst/>
@@ -25568,7 +25615,7 @@
           <a:p>
             <a:fld id="{E7244459-F2A5-4FF9-8125-3DD79827DEF5}" type="datetime1">
               <a:rPr lang="en-US" smtClean="0"/>
-              <a:t>8/1/2018</a:t>
+              <a:t>8/11/2018</a:t>
             </a:fld>
             <a:endParaRPr lang="en-US" dirty="0"/>
           </a:p>
@@ -25939,8 +25986,8 @@
         </p:blipFill>
         <p:spPr>
           <a:xfrm>
-            <a:off x="6176766" y="1825625"/>
-            <a:ext cx="5172467" cy="4351338"/>
+            <a:off x="6172200" y="1577097"/>
+            <a:ext cx="5468938" cy="4600743"/>
           </a:xfrm>
           <a:prstGeom prst="rect">
             <a:avLst/>
@@ -25970,7 +26017,7 @@
           <a:p>
             <a:fld id="{E7244459-F2A5-4FF9-8125-3DD79827DEF5}" type="datetime1">
               <a:rPr lang="en-US" smtClean="0"/>
-              <a:t>8/1/2018</a:t>
+              <a:t>8/11/2018</a:t>
             </a:fld>
             <a:endParaRPr lang="en-US" dirty="0"/>
           </a:p>
@@ -26335,7 +26382,7 @@
           <a:p>
             <a:fld id="{E7244459-F2A5-4FF9-8125-3DD79827DEF5}" type="datetime1">
               <a:rPr lang="en-US" smtClean="0"/>
-              <a:t>8/1/2018</a:t>
+              <a:t>8/11/2018</a:t>
             </a:fld>
             <a:endParaRPr lang="en-US" dirty="0"/>
           </a:p>
@@ -26802,7 +26849,7 @@
           <a:p>
             <a:fld id="{E7244459-F2A5-4FF9-8125-3DD79827DEF5}" type="datetime1">
               <a:rPr lang="en-US" smtClean="0"/>
-              <a:t>8/1/2018</a:t>
+              <a:t>8/11/2018</a:t>
             </a:fld>
             <a:endParaRPr lang="en-US" dirty="0"/>
           </a:p>
@@ -27660,7 +27707,7 @@
           <a:p>
             <a:fld id="{E7244459-F2A5-4FF9-8125-3DD79827DEF5}" type="datetime1">
               <a:rPr lang="en-US" smtClean="0"/>
-              <a:t>8/1/2018</a:t>
+              <a:t>8/11/2018</a:t>
             </a:fld>
             <a:endParaRPr lang="en-US" dirty="0"/>
           </a:p>
@@ -27996,7 +28043,7 @@
           <a:p>
             <a:fld id="{E7244459-F2A5-4FF9-8125-3DD79827DEF5}" type="datetime1">
               <a:rPr lang="en-US" smtClean="0"/>
-              <a:t>8/1/2018</a:t>
+              <a:t>8/11/2018</a:t>
             </a:fld>
             <a:endParaRPr lang="en-US" dirty="0"/>
           </a:p>
@@ -28187,7 +28234,7 @@
           <a:p>
             <a:fld id="{E7244459-F2A5-4FF9-8125-3DD79827DEF5}" type="datetime1">
               <a:rPr lang="en-US" smtClean="0"/>
-              <a:t>8/1/2018</a:t>
+              <a:t>8/11/2018</a:t>
             </a:fld>
             <a:endParaRPr lang="en-US" dirty="0"/>
           </a:p>
@@ -28506,7 +28553,7 @@
           <a:p>
             <a:fld id="{E7244459-F2A5-4FF9-8125-3DD79827DEF5}" type="datetime1">
               <a:rPr lang="en-US" smtClean="0"/>
-              <a:t>8/1/2018</a:t>
+              <a:t>8/11/2018</a:t>
             </a:fld>
             <a:endParaRPr lang="en-US" dirty="0"/>
           </a:p>
@@ -28742,7 +28789,7 @@
             <a:fld id="{13570084-B57A-493D-8A30-572F2D9F55F8}" type="datetime1">
               <a:rPr lang="en-US" smtClean="0"/>
               <a:pPr/>
-              <a:t>8/1/2018</a:t>
+              <a:t>8/11/2018</a:t>
             </a:fld>
             <a:endParaRPr lang="en-US" dirty="0"/>
           </a:p>
@@ -28922,8 +28969,8 @@
           </a:p>
         </p:txBody>
       </p:sp>
-      <mc:AlternateContent xmlns:mc="http://schemas.openxmlformats.org/markup-compatibility/2006">
-        <mc:Choice xmlns:a14="http://schemas.microsoft.com/office/drawing/2010/main" Requires="a14">
+      <mc:AlternateContent xmlns:mc="http://schemas.openxmlformats.org/markup-compatibility/2006" xmlns:a14="http://schemas.microsoft.com/office/drawing/2010/main">
+        <mc:Choice Requires="a14">
           <p:sp>
             <p:nvSpPr>
               <p:cNvPr id="4" name="Content Placeholder 3"/>
@@ -29526,7 +29573,7 @@
             </p:txBody>
           </p:sp>
         </mc:Choice>
-        <mc:Fallback>
+        <mc:Fallback xmlns="">
           <p:sp>
             <p:nvSpPr>
               <p:cNvPr id="4" name="Content Placeholder 3"/>
@@ -29581,7 +29628,7 @@
           <a:p>
             <a:fld id="{E7244459-F2A5-4FF9-8125-3DD79827DEF5}" type="datetime1">
               <a:rPr lang="en-US" smtClean="0"/>
-              <a:t>8/1/2018</a:t>
+              <a:t>8/11/2018</a:t>
             </a:fld>
             <a:endParaRPr lang="en-US" dirty="0"/>
           </a:p>
@@ -29741,7 +29788,7 @@
           <a:p>
             <a:fld id="{E7244459-F2A5-4FF9-8125-3DD79827DEF5}" type="datetime1">
               <a:rPr lang="en-US" smtClean="0"/>
-              <a:t>8/1/2018</a:t>
+              <a:t>8/11/2018</a:t>
             </a:fld>
             <a:endParaRPr lang="en-US" dirty="0"/>
           </a:p>
@@ -30429,7 +30476,7 @@
           <a:p>
             <a:fld id="{E7244459-F2A5-4FF9-8125-3DD79827DEF5}" type="datetime1">
               <a:rPr lang="en-US" smtClean="0"/>
-              <a:t>8/1/2018</a:t>
+              <a:t>8/11/2018</a:t>
             </a:fld>
             <a:endParaRPr lang="en-US" dirty="0"/>
           </a:p>
@@ -31119,7 +31166,7 @@
           <a:p>
             <a:fld id="{E7244459-F2A5-4FF9-8125-3DD79827DEF5}" type="datetime1">
               <a:rPr lang="en-US" smtClean="0"/>
-              <a:t>8/1/2018</a:t>
+              <a:t>8/11/2018</a:t>
             </a:fld>
             <a:endParaRPr lang="en-US" dirty="0"/>
           </a:p>
@@ -31715,7 +31762,7 @@
   <a:extraClrSchemeLst/>
   <a:extLst>
     <a:ext uri="{05A4C25C-085E-4340-85A3-A5531E510DB2}">
-      <thm15:themeFamily xmlns:thm15="http://schemas.microsoft.com/office/thememl/2012/main" name="Lesson 12 - Data Analytics - GLMs" id="{2D671843-01B0-4809-83B7-DCD6022711AC}" vid="{631529AC-459A-4F8A-9050-54C0368E42C7}"/>
+      <thm15:themeFamily xmlns:thm15="http://schemas.microsoft.com/office/thememl/2012/main" name="Analytics_World" id="{0D0CA6F4-4249-491F-90A1-38D2E759BAFB}" vid="{73C02A8C-8EF0-4E7B-9EF2-CA7EFEB1E564}"/>
     </a:ext>
   </a:extLst>
 </a:theme>
